--- a/CSS Frameworks.pptx
+++ b/CSS Frameworks.pptx
@@ -5,7 +5,7 @@
     <p:sldMasterId id="2147483960" r:id="rId1"/>
   </p:sldMasterIdLst>
   <p:notesMasterIdLst>
-    <p:notesMasterId r:id="rId27"/>
+    <p:notesMasterId r:id="rId32"/>
   </p:notesMasterIdLst>
   <p:sldIdLst>
     <p:sldId id="256" r:id="rId2"/>
@@ -21,18 +21,23 @@
     <p:sldId id="278" r:id="rId12"/>
     <p:sldId id="283" r:id="rId13"/>
     <p:sldId id="282" r:id="rId14"/>
-    <p:sldId id="281" r:id="rId15"/>
-    <p:sldId id="257" r:id="rId16"/>
-    <p:sldId id="260" r:id="rId17"/>
-    <p:sldId id="272" r:id="rId18"/>
-    <p:sldId id="261" r:id="rId19"/>
-    <p:sldId id="263" r:id="rId20"/>
-    <p:sldId id="259" r:id="rId21"/>
-    <p:sldId id="276" r:id="rId22"/>
+    <p:sldId id="257" r:id="rId15"/>
+    <p:sldId id="260" r:id="rId16"/>
+    <p:sldId id="272" r:id="rId17"/>
+    <p:sldId id="261" r:id="rId18"/>
+    <p:sldId id="263" r:id="rId19"/>
+    <p:sldId id="259" r:id="rId20"/>
+    <p:sldId id="290" r:id="rId21"/>
+    <p:sldId id="270" r:id="rId22"/>
     <p:sldId id="269" r:id="rId23"/>
-    <p:sldId id="270" r:id="rId24"/>
-    <p:sldId id="271" r:id="rId25"/>
-    <p:sldId id="264" r:id="rId26"/>
+    <p:sldId id="284" r:id="rId24"/>
+    <p:sldId id="285" r:id="rId25"/>
+    <p:sldId id="286" r:id="rId26"/>
+    <p:sldId id="287" r:id="rId27"/>
+    <p:sldId id="271" r:id="rId28"/>
+    <p:sldId id="288" r:id="rId29"/>
+    <p:sldId id="289" r:id="rId30"/>
+    <p:sldId id="264" r:id="rId31"/>
   </p:sldIdLst>
   <p:sldSz cx="9144000" cy="5143500" type="screen16x9"/>
   <p:notesSz cx="6858000" cy="9144000"/>
@@ -133,7 +138,7 @@
   </p:defaultTextStyle>
   <p:extLst>
     <p:ext uri="{EFAFB233-063F-42B5-8137-9DF3F51BA10A}">
-      <p15:sldGuideLst xmlns:p15="http://schemas.microsoft.com/office/powerpoint/2012/main">
+      <p15:sldGuideLst xmlns="" xmlns:p15="http://schemas.microsoft.com/office/powerpoint/2012/main">
         <p15:guide id="1" orient="horz" pos="1620">
           <p15:clr>
             <a:srgbClr val="A4A3A4"/>
@@ -232,7 +237,7 @@
           <a:p>
             <a:fld id="{8D1EB614-F23B-8144-8F38-6BD244842A9D}" type="datetimeFigureOut">
               <a:rPr lang="en-US" smtClean="0"/>
-              <a:t>4/3/2015</a:t>
+              <a:t>4/4/15</a:t>
             </a:fld>
             <a:endParaRPr lang="en-US"/>
           </a:p>
@@ -666,7 +671,7 @@
           <a:p>
             <a:fld id="{55AE4D89-BE1D-814E-828E-DD0389B1FF51}" type="slidenum">
               <a:rPr lang="en-US" smtClean="0"/>
-              <a:t>18</a:t>
+              <a:t>17</a:t>
             </a:fld>
             <a:endParaRPr lang="en-US"/>
           </a:p>
@@ -876,7 +881,7 @@
           <a:p>
             <a:fld id="{2069C06D-4ED8-42C6-905D-CA84CA1B6CBF}" type="datetime2">
               <a:rPr lang="en-US" smtClean="0"/>
-              <a:t>Friday, April 3, 2015</a:t>
+              <a:t>Saturday, April 4, 15</a:t>
             </a:fld>
             <a:endParaRPr lang="en-US" dirty="0"/>
           </a:p>
@@ -1047,7 +1052,7 @@
           <a:p>
             <a:fld id="{A56EEE0E-EDB0-4D84-86B0-50833DF22902}" type="datetime2">
               <a:rPr lang="en-US" smtClean="0"/>
-              <a:t>Friday, April 3, 2015</a:t>
+              <a:t>Saturday, April 4, 15</a:t>
             </a:fld>
             <a:endParaRPr lang="en-US"/>
           </a:p>
@@ -1223,7 +1228,7 @@
           <a:p>
             <a:fld id="{5114372C-B5AB-4C39-B273-B99224EB4DD5}" type="datetime2">
               <a:rPr lang="en-US" smtClean="0"/>
-              <a:t>Friday, April 3, 2015</a:t>
+              <a:t>Saturday, April 4, 15</a:t>
             </a:fld>
             <a:endParaRPr lang="en-US"/>
           </a:p>
@@ -1395,7 +1400,7 @@
           <a:p>
             <a:fld id="{14CB1CAA-32CD-4B55-B92A-B8F0843CACF4}" type="datetime2">
               <a:rPr lang="en-US" smtClean="0"/>
-              <a:t>Friday, April 3, 2015</a:t>
+              <a:t>Saturday, April 4, 15</a:t>
             </a:fld>
             <a:endParaRPr lang="en-US" dirty="0"/>
           </a:p>
@@ -1605,7 +1610,7 @@
           <a:p>
             <a:fld id="{3AD8CDC4-3D19-4983-B478-82F6B8E5AB66}" type="datetime2">
               <a:rPr lang="en-US" smtClean="0"/>
-              <a:t>Friday, April 3, 2015</a:t>
+              <a:t>Saturday, April 4, 15</a:t>
             </a:fld>
             <a:endParaRPr lang="en-US" dirty="0"/>
           </a:p>
@@ -1746,7 +1751,7 @@
           <a:p>
             <a:fld id="{84B82477-D5D3-4181-8C11-75D0F2433A87}" type="datetime2">
               <a:rPr lang="en-US" smtClean="0"/>
-              <a:t>Friday, April 3, 2015</a:t>
+              <a:t>Saturday, April 4, 15</a:t>
             </a:fld>
             <a:endParaRPr lang="en-US" dirty="0"/>
           </a:p>
@@ -2397,7 +2402,7 @@
           <a:p>
             <a:fld id="{213E253B-1893-4367-8BAE-DF4BC10DC578}" type="datetime2">
               <a:rPr lang="en-US" smtClean="0"/>
-              <a:t>Friday, April 3, 2015</a:t>
+              <a:t>Saturday, April 4, 15</a:t>
             </a:fld>
             <a:endParaRPr lang="en-US" dirty="0"/>
           </a:p>
@@ -2511,7 +2516,7 @@
           <a:p>
             <a:fld id="{8B62300D-25B3-4603-86C9-4CB776489F00}" type="datetime2">
               <a:rPr lang="en-US" smtClean="0"/>
-              <a:t>Friday, April 3, 2015</a:t>
+              <a:t>Saturday, April 4, 15</a:t>
             </a:fld>
             <a:endParaRPr lang="en-US" dirty="0"/>
           </a:p>
@@ -2602,7 +2607,7 @@
           <a:p>
             <a:fld id="{C6314AD9-FCC8-48B7-B85B-012A91320DFF}" type="datetime2">
               <a:rPr lang="en-US" smtClean="0"/>
-              <a:t>Friday, April 3, 2015</a:t>
+              <a:t>Saturday, April 4, 15</a:t>
             </a:fld>
             <a:endParaRPr lang="en-US" dirty="0"/>
           </a:p>
@@ -2893,7 +2898,7 @@
           <a:p>
             <a:fld id="{3182DC50-D5DB-4F94-B367-9876CD2C4012}" type="datetime2">
               <a:rPr lang="en-US" smtClean="0"/>
-              <a:t>Friday, April 3, 2015</a:t>
+              <a:t>Saturday, April 4, 15</a:t>
             </a:fld>
             <a:endParaRPr lang="en-US" dirty="0"/>
           </a:p>
@@ -3217,7 +3222,7 @@
           <a:p>
             <a:fld id="{292EB412-E790-42EA-81FE-2925D3A43D91}" type="datetime2">
               <a:rPr lang="en-US" smtClean="0"/>
-              <a:t>Friday, April 3, 2015</a:t>
+              <a:t>Saturday, April 4, 15</a:t>
             </a:fld>
             <a:endParaRPr lang="en-US" dirty="0"/>
           </a:p>
@@ -3678,7 +3683,7 @@
             <a:fld id="{0B385921-A91A-409C-921C-0E0EC1E750EC}" type="datetime2">
               <a:rPr lang="en-US" smtClean="0"/>
               <a:pPr/>
-              <a:t>Friday, April 3, 2015</a:t>
+              <a:t>Saturday, April 4, 15</a:t>
             </a:fld>
             <a:endParaRPr lang="en-US" dirty="0"/>
           </a:p>
@@ -4277,14 +4282,7 @@
                 <a:latin typeface="Lato Hairline"/>
                 <a:cs typeface="Lato Hairline"/>
               </a:rPr>
-              <a:t>Alvin </a:t>
-            </a:r>
-            <a:r>
-              <a:rPr lang="en-US" sz="1400" dirty="0" smtClean="0">
-                <a:latin typeface="Lato Hairline"/>
-                <a:cs typeface="Lato Hairline"/>
-              </a:rPr>
-              <a:t>Wang</a:t>
+              <a:t>Alvin Wang</a:t>
             </a:r>
           </a:p>
           <a:p>
@@ -4315,7 +4313,7 @@
   <p:timing>
     <p:tnLst>
       <p:par>
-        <p:cTn id="1" dur="indefinite" restart="never" nodeType="tmRoot"/>
+        <p:cTn xmlns:p14="http://schemas.microsoft.com/office/powerpoint/2010/main" id="1" dur="indefinite" restart="never" nodeType="tmRoot"/>
       </p:par>
     </p:tnLst>
   </p:timing>
@@ -4370,21 +4368,8 @@
             </a:pPr>
             <a:r>
               <a:rPr lang="en-US" dirty="0" smtClean="0"/>
-              <a:t>A text editor </a:t>
-            </a:r>
-            <a:r>
-              <a:rPr lang="en-US" dirty="0" smtClean="0"/>
-              <a:t>(</a:t>
-            </a:r>
-            <a:r>
-              <a:rPr lang="en-US" dirty="0" smtClean="0"/>
-              <a:t>recommend </a:t>
-            </a:r>
-            <a:r>
-              <a:rPr lang="en-US" dirty="0" smtClean="0"/>
-              <a:t>Brackets or Sublime)</a:t>
-            </a:r>
-            <a:endParaRPr lang="en-US" dirty="0" smtClean="0"/>
+              <a:t>A text editor (recommend Brackets or Sublime)</a:t>
+            </a:r>
           </a:p>
           <a:p>
             <a:pPr marL="18288" indent="0">
@@ -4627,7 +4612,7 @@
   <p:timing>
     <p:tnLst>
       <p:par>
-        <p:cTn id="1" dur="indefinite" restart="never" nodeType="tmRoot"/>
+        <p:cTn xmlns:p14="http://schemas.microsoft.com/office/powerpoint/2010/main" id="1" dur="indefinite" restart="never" nodeType="tmRoot"/>
       </p:par>
     </p:tnLst>
   </p:timing>
@@ -4675,6 +4660,39 @@
               <a:buFont typeface="Arial"/>
               <a:buChar char="•"/>
             </a:pPr>
+            <a:r>
+              <a:rPr lang="en-US" dirty="0" smtClean="0"/>
+              <a:t>A framework/development tool that makes it easier to design websites</a:t>
+            </a:r>
+          </a:p>
+          <a:p>
+            <a:pPr>
+              <a:buFont typeface="Arial"/>
+              <a:buChar char="•"/>
+            </a:pPr>
+            <a:r>
+              <a:rPr lang="en-US" dirty="0" smtClean="0"/>
+              <a:t>At its most basic form, it is just a .CSS file that comes with many predefined classes</a:t>
+            </a:r>
+          </a:p>
+          <a:p>
+            <a:pPr>
+              <a:buFont typeface="Arial"/>
+              <a:buChar char="•"/>
+            </a:pPr>
+            <a:r>
+              <a:rPr lang="en-US" dirty="0" smtClean="0"/>
+              <a:t>Provides a solid base for you to design upon</a:t>
+            </a:r>
+          </a:p>
+          <a:p>
+            <a:pPr marL="18288" indent="0">
+              <a:buNone/>
+            </a:pPr>
+            <a:r>
+              <a:rPr lang="en-US" dirty="0" smtClean="0"/>
+              <a:t> </a:t>
+            </a:r>
             <a:endParaRPr lang="en-US" dirty="0"/>
           </a:p>
         </p:txBody>
@@ -4701,7 +4719,7 @@
           <a:p>
             <a:r>
               <a:rPr lang="en-US" sz="4400" dirty="0" smtClean="0"/>
-              <a:t>Pseudo Elements</a:t>
+              <a:t>What are CSS Frameworks?</a:t>
             </a:r>
             <a:endParaRPr lang="en-US" sz="4400" dirty="0"/>
           </a:p>
@@ -4710,7 +4728,7 @@
     </p:spTree>
     <p:extLst>
       <p:ext uri="{BB962C8B-B14F-4D97-AF65-F5344CB8AC3E}">
-        <p14:creationId xmlns:p14="http://schemas.microsoft.com/office/powerpoint/2010/main" val="3155601226"/>
+        <p14:creationId xmlns:p14="http://schemas.microsoft.com/office/powerpoint/2010/main" val="4216292150"/>
       </p:ext>
     </p:extLst>
   </p:cSld>
@@ -4720,7 +4738,7 @@
   <p:timing>
     <p:tnLst>
       <p:par>
-        <p:cTn id="1" dur="indefinite" restart="never" nodeType="tmRoot"/>
+        <p:cTn xmlns:p14="http://schemas.microsoft.com/office/powerpoint/2010/main" id="1" dur="indefinite" restart="never" nodeType="tmRoot"/>
       </p:par>
     </p:tnLst>
   </p:timing>
@@ -4756,12 +4774,14 @@
         </p:nvSpPr>
         <p:spPr>
           <a:xfrm>
-            <a:off x="601604" y="1461653"/>
+            <a:off x="601604" y="1952847"/>
             <a:ext cx="6715875" cy="2743199"/>
           </a:xfrm>
         </p:spPr>
         <p:txBody>
-          <a:bodyPr/>
+          <a:bodyPr>
+            <a:noAutofit/>
+          </a:bodyPr>
           <a:lstStyle/>
           <a:p>
             <a:pPr>
@@ -4770,7 +4790,7 @@
             </a:pPr>
             <a:r>
               <a:rPr lang="en-US" dirty="0" smtClean="0"/>
-              <a:t>A framework/development tool that makes it easier to design websites</a:t>
+              <a:t>Saves a lot of time setting up basic styles</a:t>
             </a:r>
           </a:p>
           <a:p>
@@ -4780,7 +4800,7 @@
             </a:pPr>
             <a:r>
               <a:rPr lang="en-US" dirty="0" smtClean="0"/>
-              <a:t>At its most basic form, it is just a .CSS file that comes with many predefined classes</a:t>
+              <a:t>Makes your websites look good with minimal effort</a:t>
             </a:r>
           </a:p>
           <a:p>
@@ -4789,14 +4809,55 @@
               <a:buChar char="•"/>
             </a:pPr>
             <a:r>
-              <a:rPr lang="en-US" dirty="0" smtClean="0"/>
-              <a:t>Provides a solid base for you to design upon</a:t>
+              <a:rPr lang="en-US" dirty="0"/>
+              <a:t>Great for </a:t>
+            </a:r>
+            <a:r>
+              <a:rPr lang="en-US" dirty="0" smtClean="0"/>
+              <a:t>prototyping</a:t>
+            </a:r>
+          </a:p>
+          <a:p>
+            <a:pPr>
+              <a:buFont typeface="Arial"/>
+              <a:buChar char="•"/>
+            </a:pPr>
+            <a:r>
+              <a:rPr lang="en-US" dirty="0" smtClean="0"/>
+              <a:t>Adds responsiveness to your website</a:t>
             </a:r>
           </a:p>
           <a:p>
             <a:pPr marL="18288" indent="0">
               <a:buNone/>
             </a:pPr>
+            <a:endParaRPr lang="en-US" dirty="0" smtClean="0"/>
+          </a:p>
+          <a:p>
+            <a:pPr>
+              <a:buFont typeface="Arial"/>
+              <a:buChar char="•"/>
+            </a:pPr>
+            <a:endParaRPr lang="en-US" dirty="0"/>
+          </a:p>
+          <a:p>
+            <a:pPr>
+              <a:buFont typeface="Arial"/>
+              <a:buChar char="•"/>
+            </a:pPr>
+            <a:endParaRPr lang="en-US" dirty="0" smtClean="0"/>
+          </a:p>
+          <a:p>
+            <a:pPr>
+              <a:buFont typeface="Arial"/>
+              <a:buChar char="•"/>
+            </a:pPr>
+            <a:endParaRPr lang="en-US" dirty="0" smtClean="0"/>
+          </a:p>
+          <a:p>
+            <a:pPr marL="18288" indent="0">
+              <a:buNone/>
+            </a:pPr>
             <a:r>
               <a:rPr lang="en-US" dirty="0" smtClean="0"/>
               <a:t> </a:t>
@@ -4817,7 +4878,7 @@
         </p:nvSpPr>
         <p:spPr>
           <a:xfrm>
-            <a:off x="601604" y="264932"/>
+            <a:off x="601604" y="846411"/>
             <a:ext cx="7543800" cy="685800"/>
           </a:xfrm>
         </p:spPr>
@@ -4827,7 +4888,7 @@
           <a:p>
             <a:r>
               <a:rPr lang="en-US" sz="4400" dirty="0" smtClean="0"/>
-              <a:t>What are CSS Frameworks?</a:t>
+              <a:t>Why would I want to use one?</a:t>
             </a:r>
             <a:endParaRPr lang="en-US" sz="4400" dirty="0"/>
           </a:p>
@@ -4836,7 +4897,7 @@
     </p:spTree>
     <p:extLst>
       <p:ext uri="{BB962C8B-B14F-4D97-AF65-F5344CB8AC3E}">
-        <p14:creationId xmlns:p14="http://schemas.microsoft.com/office/powerpoint/2010/main" val="4216292150"/>
+        <p14:creationId xmlns:p14="http://schemas.microsoft.com/office/powerpoint/2010/main" val="305893301"/>
       </p:ext>
     </p:extLst>
   </p:cSld>
@@ -4846,7 +4907,7 @@
   <p:timing>
     <p:tnLst>
       <p:par>
-        <p:cTn id="1" dur="indefinite" restart="never" nodeType="tmRoot"/>
+        <p:cTn xmlns:p14="http://schemas.microsoft.com/office/powerpoint/2010/main" id="1" dur="indefinite" restart="never" nodeType="tmRoot"/>
       </p:par>
     </p:tnLst>
   </p:timing>
@@ -4880,16 +4941,9 @@
             <p:ph idx="1"/>
           </p:nvPr>
         </p:nvSpPr>
-        <p:spPr>
-          <a:xfrm>
-            <a:off x="601604" y="1952847"/>
-            <a:ext cx="6715875" cy="2743199"/>
-          </a:xfrm>
-        </p:spPr>
-        <p:txBody>
-          <a:bodyPr>
-            <a:noAutofit/>
-          </a:bodyPr>
+        <p:spPr/>
+        <p:txBody>
+          <a:bodyPr/>
           <a:lstStyle/>
           <a:p>
             <a:pPr>
@@ -4898,7 +4952,7 @@
             </a:pPr>
             <a:r>
               <a:rPr lang="en-US" dirty="0" smtClean="0"/>
-              <a:t>Saves a lot of time setting up basic styles</a:t>
+              <a:t>If you aren’t as aware of what styles are defined by the framework, styling your webpage can be frustrating.</a:t>
             </a:r>
           </a:p>
           <a:p>
@@ -4908,7 +4962,7 @@
             </a:pPr>
             <a:r>
               <a:rPr lang="en-US" dirty="0" smtClean="0"/>
-              <a:t>Makes your websites look good with minimal effort</a:t>
+              <a:t>If you don’t take the time to further customize your site after using the framework, your site could look very generic.</a:t>
             </a:r>
           </a:p>
           <a:p>
@@ -4916,60 +4970,6 @@
               <a:buFont typeface="Arial"/>
               <a:buChar char="•"/>
             </a:pPr>
-            <a:r>
-              <a:rPr lang="en-US" dirty="0"/>
-              <a:t>Great for </a:t>
-            </a:r>
-            <a:r>
-              <a:rPr lang="en-US" dirty="0" smtClean="0"/>
-              <a:t>prototyping</a:t>
-            </a:r>
-          </a:p>
-          <a:p>
-            <a:pPr>
-              <a:buFont typeface="Arial"/>
-              <a:buChar char="•"/>
-            </a:pPr>
-            <a:r>
-              <a:rPr lang="en-US" dirty="0" smtClean="0"/>
-              <a:t>Adds responsiveness to your website</a:t>
-            </a:r>
-          </a:p>
-          <a:p>
-            <a:pPr marL="18288" indent="0">
-              <a:buNone/>
-            </a:pPr>
-            <a:endParaRPr lang="en-US" dirty="0" smtClean="0"/>
-          </a:p>
-          <a:p>
-            <a:pPr>
-              <a:buFont typeface="Arial"/>
-              <a:buChar char="•"/>
-            </a:pPr>
-            <a:endParaRPr lang="en-US" dirty="0"/>
-          </a:p>
-          <a:p>
-            <a:pPr>
-              <a:buFont typeface="Arial"/>
-              <a:buChar char="•"/>
-            </a:pPr>
-            <a:endParaRPr lang="en-US" dirty="0" smtClean="0"/>
-          </a:p>
-          <a:p>
-            <a:pPr>
-              <a:buFont typeface="Arial"/>
-              <a:buChar char="•"/>
-            </a:pPr>
-            <a:endParaRPr lang="en-US" dirty="0" smtClean="0"/>
-          </a:p>
-          <a:p>
-            <a:pPr marL="18288" indent="0">
-              <a:buNone/>
-            </a:pPr>
-            <a:r>
-              <a:rPr lang="en-US" dirty="0" smtClean="0"/>
-              <a:t> </a:t>
-            </a:r>
             <a:endParaRPr lang="en-US" dirty="0"/>
           </a:p>
         </p:txBody>
@@ -4984,28 +4984,27 @@
             <p:ph type="title"/>
           </p:nvPr>
         </p:nvSpPr>
-        <p:spPr>
-          <a:xfrm>
-            <a:off x="601604" y="264932"/>
-            <a:ext cx="7543800" cy="685800"/>
-          </a:xfrm>
-        </p:spPr>
-        <p:txBody>
-          <a:bodyPr/>
-          <a:lstStyle/>
-          <a:p>
-            <a:r>
-              <a:rPr lang="en-US" sz="4400" dirty="0" smtClean="0"/>
-              <a:t>Why would I want to use one?</a:t>
-            </a:r>
-            <a:endParaRPr lang="en-US" sz="4400" dirty="0"/>
+        <p:spPr/>
+        <p:txBody>
+          <a:bodyPr/>
+          <a:lstStyle/>
+          <a:p>
+            <a:r>
+              <a:rPr lang="en-US" dirty="0" smtClean="0">
+                <a:latin typeface="Lato Light" panose="020F0302020204030203" pitchFamily="34" charset="0"/>
+              </a:rPr>
+              <a:t>Disadvantages</a:t>
+            </a:r>
+            <a:endParaRPr lang="en-US" dirty="0">
+              <a:latin typeface="Lato Light" panose="020F0302020204030203" pitchFamily="34" charset="0"/>
+            </a:endParaRPr>
           </a:p>
         </p:txBody>
       </p:sp>
     </p:spTree>
     <p:extLst>
       <p:ext uri="{BB962C8B-B14F-4D97-AF65-F5344CB8AC3E}">
-        <p14:creationId xmlns:p14="http://schemas.microsoft.com/office/powerpoint/2010/main" val="305893301"/>
+        <p14:creationId xmlns:p14="http://schemas.microsoft.com/office/powerpoint/2010/main" val="3829502735"/>
       </p:ext>
     </p:extLst>
   </p:cSld>
@@ -5015,7 +5014,7 @@
   <p:timing>
     <p:tnLst>
       <p:par>
-        <p:cTn id="1" dur="indefinite" restart="never" nodeType="tmRoot"/>
+        <p:cTn xmlns:p14="http://schemas.microsoft.com/office/powerpoint/2010/main" id="1" dur="indefinite" restart="never" nodeType="tmRoot"/>
       </p:par>
     </p:tnLst>
   </p:timing>
@@ -5049,7 +5048,12 @@
             <p:ph idx="1"/>
           </p:nvPr>
         </p:nvSpPr>
-        <p:spPr/>
+        <p:spPr>
+          <a:xfrm>
+            <a:off x="1488100" y="514351"/>
+            <a:ext cx="6096000" cy="2743199"/>
+          </a:xfrm>
+        </p:spPr>
         <p:txBody>
           <a:bodyPr/>
           <a:lstStyle/>
@@ -5059,8 +5063,18 @@
               <a:buChar char="•"/>
             </a:pPr>
             <a:r>
-              <a:rPr lang="en-US" dirty="0" smtClean="0"/>
-              <a:t>If you aren’t as aware of what styles are defined by the framework, styling your webpage can be frustrating.</a:t>
+              <a:rPr lang="en-US" b="1" dirty="0" smtClean="0">
+                <a:latin typeface="Lato Regular"/>
+                <a:cs typeface="Lato Regular"/>
+              </a:rPr>
+              <a:t>Bootstrap</a:t>
+            </a:r>
+            <a:r>
+              <a:rPr lang="en-US" dirty="0" smtClean="0">
+                <a:latin typeface="Lato Regular"/>
+                <a:cs typeface="Lato Regular"/>
+              </a:rPr>
+              <a:t> (made by Twitter)</a:t>
             </a:r>
           </a:p>
           <a:p>
@@ -5069,8 +5083,25 @@
               <a:buChar char="•"/>
             </a:pPr>
             <a:r>
-              <a:rPr lang="en-US" dirty="0" smtClean="0"/>
-              <a:t>If you don’t take the time to further customize your site after using the framework, your site could look very generic.</a:t>
+              <a:rPr lang="en-US" b="1" dirty="0" smtClean="0">
+                <a:latin typeface="Lato Regular"/>
+                <a:cs typeface="Lato Regular"/>
+              </a:rPr>
+              <a:t>Foundation (</a:t>
+            </a:r>
+            <a:r>
+              <a:rPr lang="en-US" b="1" dirty="0">
+                <a:latin typeface="Lato Regular"/>
+                <a:cs typeface="Lato Regular"/>
+              </a:rPr>
+              <a:t>s</a:t>
+            </a:r>
+            <a:r>
+              <a:rPr lang="en-US" b="1" dirty="0" smtClean="0">
+                <a:latin typeface="Lato Regular"/>
+                <a:cs typeface="Lato Regular"/>
+              </a:rPr>
+              <a:t>impler design)</a:t>
             </a:r>
           </a:p>
           <a:p>
@@ -5078,7 +5109,22 @@
               <a:buFont typeface="Arial"/>
               <a:buChar char="•"/>
             </a:pPr>
-            <a:endParaRPr lang="en-US" dirty="0"/>
+            <a:r>
+              <a:rPr lang="en-US" b="1" dirty="0" smtClean="0">
+                <a:latin typeface="Lato Regular"/>
+                <a:cs typeface="Lato Regular"/>
+              </a:rPr>
+              <a:t>Materialize (material design)</a:t>
+            </a:r>
+          </a:p>
+          <a:p>
+            <a:pPr marL="18288" indent="0">
+              <a:buNone/>
+            </a:pPr>
+            <a:endParaRPr lang="en-US" dirty="0">
+              <a:latin typeface="Lato Regular"/>
+              <a:cs typeface="Lato Regular"/>
+            </a:endParaRPr>
           </a:p>
         </p:txBody>
       </p:sp>
@@ -5092,27 +5138,28 @@
             <p:ph type="title"/>
           </p:nvPr>
         </p:nvSpPr>
-        <p:spPr/>
-        <p:txBody>
-          <a:bodyPr/>
-          <a:lstStyle/>
-          <a:p>
-            <a:r>
-              <a:rPr lang="en-US" dirty="0" smtClean="0">
-                <a:latin typeface="Lato Light" panose="020F0302020204030203" pitchFamily="34" charset="0"/>
-              </a:rPr>
-              <a:t>Disadvantages</a:t>
-            </a:r>
-            <a:endParaRPr lang="en-US" dirty="0">
-              <a:latin typeface="Lato Light" panose="020F0302020204030203" pitchFamily="34" charset="0"/>
-            </a:endParaRPr>
+        <p:spPr>
+          <a:xfrm>
+            <a:off x="1207448" y="3657600"/>
+            <a:ext cx="7543800" cy="685800"/>
+          </a:xfrm>
+        </p:spPr>
+        <p:txBody>
+          <a:bodyPr/>
+          <a:lstStyle/>
+          <a:p>
+            <a:r>
+              <a:rPr lang="en-US" dirty="0" smtClean="0"/>
+              <a:t>Popular CSS Frameworks</a:t>
+            </a:r>
+            <a:endParaRPr lang="en-US" dirty="0"/>
           </a:p>
         </p:txBody>
       </p:sp>
     </p:spTree>
     <p:extLst>
       <p:ext uri="{BB962C8B-B14F-4D97-AF65-F5344CB8AC3E}">
-        <p14:creationId xmlns:p14="http://schemas.microsoft.com/office/powerpoint/2010/main" val="3829502735"/>
+        <p14:creationId xmlns:p14="http://schemas.microsoft.com/office/powerpoint/2010/main" val="453765962"/>
       </p:ext>
     </p:extLst>
   </p:cSld>
@@ -5122,7 +5169,7 @@
   <p:timing>
     <p:tnLst>
       <p:par>
-        <p:cTn id="1" dur="indefinite" restart="never" nodeType="tmRoot"/>
+        <p:cTn xmlns:p14="http://schemas.microsoft.com/office/powerpoint/2010/main" id="1" dur="indefinite" restart="never" nodeType="tmRoot"/>
       </p:par>
     </p:tnLst>
   </p:timing>
@@ -5158,103 +5205,21 @@
         </p:nvSpPr>
         <p:spPr>
           <a:xfrm>
-            <a:off x="1488100" y="514351"/>
-            <a:ext cx="6096000" cy="2743199"/>
+            <a:off x="1677496" y="1363414"/>
+            <a:ext cx="4973961" cy="2743199"/>
           </a:xfrm>
         </p:spPr>
         <p:txBody>
           <a:bodyPr/>
           <a:lstStyle/>
-          <a:p>
-            <a:pPr>
-              <a:buFont typeface="Arial"/>
-              <a:buChar char="•"/>
-            </a:pPr>
-            <a:r>
-              <a:rPr lang="en-US" b="1" dirty="0" smtClean="0">
-                <a:latin typeface="Lato Regular"/>
-                <a:cs typeface="Lato Regular"/>
-              </a:rPr>
-              <a:t>Bootstrap</a:t>
-            </a:r>
-            <a:r>
-              <a:rPr lang="en-US" dirty="0" smtClean="0">
-                <a:latin typeface="Lato Regular"/>
-                <a:cs typeface="Lato Regular"/>
-              </a:rPr>
-              <a:t> (made by </a:t>
-            </a:r>
-            <a:r>
-              <a:rPr lang="en-US" dirty="0" smtClean="0">
-                <a:latin typeface="Lato Regular"/>
-                <a:cs typeface="Lato Regular"/>
-              </a:rPr>
-              <a:t>Twitter)</a:t>
-            </a:r>
-            <a:endParaRPr lang="en-US" dirty="0" smtClean="0">
-              <a:latin typeface="Lato Regular"/>
-              <a:cs typeface="Lato Regular"/>
-            </a:endParaRPr>
-          </a:p>
-          <a:p>
-            <a:pPr>
-              <a:buFont typeface="Arial"/>
-              <a:buChar char="•"/>
-            </a:pPr>
-            <a:r>
-              <a:rPr lang="en-US" b="1" dirty="0" smtClean="0">
-                <a:latin typeface="Lato Regular"/>
-                <a:cs typeface="Lato Regular"/>
-              </a:rPr>
-              <a:t>Foundation (</a:t>
-            </a:r>
-            <a:r>
-              <a:rPr lang="en-US" b="1" dirty="0">
-                <a:latin typeface="Lato Regular"/>
-                <a:cs typeface="Lato Regular"/>
-              </a:rPr>
-              <a:t>s</a:t>
-            </a:r>
-            <a:r>
-              <a:rPr lang="en-US" b="1" dirty="0" smtClean="0">
-                <a:latin typeface="Lato Regular"/>
-                <a:cs typeface="Lato Regular"/>
-              </a:rPr>
-              <a:t>impler design</a:t>
-            </a:r>
-            <a:r>
-              <a:rPr lang="en-US" b="1" dirty="0" smtClean="0">
-                <a:latin typeface="Lato Regular"/>
-                <a:cs typeface="Lato Regular"/>
-              </a:rPr>
-              <a:t>)</a:t>
-            </a:r>
-          </a:p>
-          <a:p>
-            <a:pPr>
-              <a:buFont typeface="Arial"/>
-              <a:buChar char="•"/>
-            </a:pPr>
-            <a:r>
-              <a:rPr lang="en-US" b="1" dirty="0" smtClean="0">
-                <a:latin typeface="Lato Regular"/>
-                <a:cs typeface="Lato Regular"/>
-              </a:rPr>
-              <a:t>Materialize (material design)</a:t>
-            </a:r>
-            <a:endParaRPr lang="en-US" b="1" dirty="0" smtClean="0">
-              <a:latin typeface="Lato Regular"/>
-              <a:cs typeface="Lato Regular"/>
-            </a:endParaRPr>
-          </a:p>
           <a:p>
             <a:pPr marL="18288" indent="0">
               <a:buNone/>
             </a:pPr>
-            <a:endParaRPr lang="en-US" dirty="0">
-              <a:latin typeface="Lato Regular"/>
-              <a:cs typeface="Lato Regular"/>
-            </a:endParaRPr>
+            <a:r>
+              <a:rPr lang="en-US" dirty="0"/>
+              <a:t>http://materializecss.com/showcase.html</a:t>
+            </a:r>
           </a:p>
         </p:txBody>
       </p:sp>
@@ -5270,7 +5235,7 @@
         </p:nvSpPr>
         <p:spPr>
           <a:xfrm>
-            <a:off x="1207448" y="3657600"/>
+            <a:off x="777240" y="665295"/>
             <a:ext cx="7543800" cy="685800"/>
           </a:xfrm>
         </p:spPr>
@@ -5279,17 +5244,17 @@
           <a:lstStyle/>
           <a:p>
             <a:r>
-              <a:rPr lang="en-US" dirty="0" smtClean="0"/>
-              <a:t>Popular CSS Frameworks</a:t>
-            </a:r>
-            <a:endParaRPr lang="en-US" dirty="0"/>
+              <a:rPr lang="en-US" sz="4000" dirty="0" smtClean="0"/>
+              <a:t>Websites made with Materialize</a:t>
+            </a:r>
+            <a:endParaRPr lang="en-US" sz="4000" dirty="0"/>
           </a:p>
         </p:txBody>
       </p:sp>
     </p:spTree>
     <p:extLst>
       <p:ext uri="{BB962C8B-B14F-4D97-AF65-F5344CB8AC3E}">
-        <p14:creationId xmlns:p14="http://schemas.microsoft.com/office/powerpoint/2010/main" val="453765962"/>
+        <p14:creationId xmlns:p14="http://schemas.microsoft.com/office/powerpoint/2010/main" val="462145493"/>
       </p:ext>
     </p:extLst>
   </p:cSld>
@@ -5299,7 +5264,7 @@
   <p:timing>
     <p:tnLst>
       <p:par>
-        <p:cTn id="1" dur="indefinite" restart="never" nodeType="tmRoot"/>
+        <p:cTn xmlns:p14="http://schemas.microsoft.com/office/powerpoint/2010/main" id="1" dur="indefinite" restart="never" nodeType="tmRoot"/>
       </p:par>
     </p:tnLst>
   </p:timing>
@@ -5335,20 +5300,124 @@
         </p:nvSpPr>
         <p:spPr>
           <a:xfrm>
-            <a:off x="1677496" y="1363414"/>
-            <a:ext cx="4973961" cy="2743199"/>
+            <a:off x="905746" y="1321312"/>
+            <a:ext cx="6096000" cy="3281875"/>
           </a:xfrm>
         </p:spPr>
         <p:txBody>
-          <a:bodyPr/>
-          <a:lstStyle/>
-          <a:p>
-            <a:pPr marL="18288" indent="0">
-              <a:buNone/>
+          <a:bodyPr>
+            <a:normAutofit fontScale="92500" lnSpcReduction="20000"/>
+          </a:bodyPr>
+          <a:lstStyle/>
+          <a:p>
+            <a:pPr>
+              <a:buFont typeface="Arial"/>
+              <a:buChar char="•"/>
             </a:pPr>
             <a:r>
-              <a:rPr lang="en-US" dirty="0"/>
-              <a:t>http://materializecss.com/showcase.html</a:t>
+              <a:rPr lang="en-US" dirty="0" smtClean="0"/>
+              <a:t>CSS Preprocessor: LESS / SASS</a:t>
+            </a:r>
+          </a:p>
+          <a:p>
+            <a:pPr>
+              <a:buFont typeface="Arial"/>
+              <a:buChar char="•"/>
+            </a:pPr>
+            <a:r>
+              <a:rPr lang="en-US" dirty="0" smtClean="0"/>
+              <a:t>JavaScript</a:t>
+            </a:r>
+            <a:endParaRPr lang="en-US" dirty="0"/>
+          </a:p>
+          <a:p>
+            <a:pPr>
+              <a:buFont typeface="Arial"/>
+              <a:buChar char="•"/>
+            </a:pPr>
+            <a:r>
+              <a:rPr lang="en-US" dirty="0" smtClean="0"/>
+              <a:t>Responsive Grid</a:t>
+            </a:r>
+          </a:p>
+          <a:p>
+            <a:pPr>
+              <a:buFont typeface="Arial"/>
+              <a:buChar char="•"/>
+            </a:pPr>
+            <a:r>
+              <a:rPr lang="en-US" dirty="0" smtClean="0"/>
+              <a:t>Components</a:t>
+            </a:r>
+          </a:p>
+          <a:p>
+            <a:pPr lvl="1">
+              <a:buFont typeface="Arial"/>
+              <a:buChar char="•"/>
+            </a:pPr>
+            <a:r>
+              <a:rPr lang="en-US" dirty="0" smtClean="0"/>
+              <a:t>Navigation Bar</a:t>
+            </a:r>
+          </a:p>
+          <a:p>
+            <a:pPr lvl="1">
+              <a:buFont typeface="Arial"/>
+              <a:buChar char="•"/>
+            </a:pPr>
+            <a:r>
+              <a:rPr lang="en-US" dirty="0" smtClean="0"/>
+              <a:t>Buttons</a:t>
+            </a:r>
+          </a:p>
+          <a:p>
+            <a:pPr lvl="1">
+              <a:buFont typeface="Arial"/>
+              <a:buChar char="•"/>
+            </a:pPr>
+            <a:r>
+              <a:rPr lang="en-US" dirty="0" smtClean="0"/>
+              <a:t>Forms</a:t>
+            </a:r>
+          </a:p>
+          <a:p>
+            <a:pPr lvl="1">
+              <a:buFont typeface="Arial"/>
+              <a:buChar char="•"/>
+            </a:pPr>
+            <a:r>
+              <a:rPr lang="en-US" dirty="0" smtClean="0"/>
+              <a:t>Dropdowns</a:t>
+            </a:r>
+          </a:p>
+          <a:p>
+            <a:pPr lvl="1">
+              <a:buFont typeface="Arial"/>
+              <a:buChar char="•"/>
+            </a:pPr>
+            <a:r>
+              <a:rPr lang="en-US" dirty="0" smtClean="0"/>
+              <a:t>Modal Popups</a:t>
+            </a:r>
+          </a:p>
+          <a:p>
+            <a:pPr lvl="1">
+              <a:buFont typeface="Arial"/>
+              <a:buChar char="•"/>
+            </a:pPr>
+            <a:r>
+              <a:rPr lang="en-US" dirty="0" smtClean="0"/>
+              <a:t>Icons</a:t>
+            </a:r>
+          </a:p>
+          <a:p>
+            <a:pPr lvl="1">
+              <a:buFont typeface="Arial"/>
+              <a:buChar char="•"/>
+            </a:pPr>
+            <a:r>
+              <a:rPr lang="en-US" dirty="0" smtClean="0"/>
+              <a:t>+ Tons MORE!!!</a:t>
             </a:r>
             <a:endParaRPr lang="en-US" dirty="0"/>
           </a:p>
@@ -5366,8 +5435,8 @@
         </p:nvSpPr>
         <p:spPr>
           <a:xfrm>
-            <a:off x="777240" y="665295"/>
-            <a:ext cx="7543800" cy="685800"/>
+            <a:off x="777239" y="431861"/>
+            <a:ext cx="7873865" cy="685800"/>
           </a:xfrm>
         </p:spPr>
         <p:txBody>
@@ -5376,11 +5445,7 @@
           <a:p>
             <a:r>
               <a:rPr lang="en-US" sz="4000" dirty="0" smtClean="0"/>
-              <a:t>Websites made with </a:t>
-            </a:r>
-            <a:r>
-              <a:rPr lang="en-US" sz="4000" dirty="0" smtClean="0"/>
-              <a:t>Materialize</a:t>
+              <a:t>Components of a CSS Framework</a:t>
             </a:r>
             <a:endParaRPr lang="en-US" sz="4000" dirty="0"/>
           </a:p>
@@ -5389,7 +5454,7 @@
     </p:spTree>
     <p:extLst>
       <p:ext uri="{BB962C8B-B14F-4D97-AF65-F5344CB8AC3E}">
-        <p14:creationId xmlns:p14="http://schemas.microsoft.com/office/powerpoint/2010/main" val="462145493"/>
+        <p14:creationId xmlns:p14="http://schemas.microsoft.com/office/powerpoint/2010/main" val="4138603976"/>
       </p:ext>
     </p:extLst>
   </p:cSld>
@@ -5399,7 +5464,7 @@
   <p:timing>
     <p:tnLst>
       <p:par>
-        <p:cTn id="1" dur="indefinite" restart="never" nodeType="tmRoot"/>
+        <p:cTn xmlns:p14="http://schemas.microsoft.com/office/powerpoint/2010/main" id="1" dur="indefinite" restart="never" nodeType="tmRoot"/>
       </p:par>
     </p:tnLst>
   </p:timing>
@@ -5519,7 +5584,7 @@
   <p:timing>
     <p:tnLst>
       <p:par>
-        <p:cTn id="1" dur="indefinite" restart="never" nodeType="tmRoot"/>
+        <p:cTn xmlns:p14="http://schemas.microsoft.com/office/powerpoint/2010/main" id="1" dur="indefinite" restart="never" nodeType="tmRoot"/>
       </p:par>
     </p:tnLst>
   </p:timing>
@@ -5553,132 +5618,12 @@
             <p:ph idx="1"/>
           </p:nvPr>
         </p:nvSpPr>
-        <p:spPr>
-          <a:xfrm>
-            <a:off x="905746" y="1321312"/>
-            <a:ext cx="6096000" cy="3281875"/>
-          </a:xfrm>
-        </p:spPr>
-        <p:txBody>
-          <a:bodyPr>
-            <a:normAutofit fontScale="92500" lnSpcReduction="20000"/>
-          </a:bodyPr>
-          <a:lstStyle/>
-          <a:p>
-            <a:pPr>
-              <a:buFont typeface="Arial"/>
-              <a:buChar char="•"/>
-            </a:pPr>
-            <a:r>
-              <a:rPr lang="en-US" dirty="0" smtClean="0"/>
-              <a:t>CSS </a:t>
-            </a:r>
-            <a:r>
-              <a:rPr lang="en-US" dirty="0" smtClean="0"/>
-              <a:t>Preprocessor: LESS / SASS</a:t>
-            </a:r>
-          </a:p>
-          <a:p>
-            <a:pPr>
-              <a:buFont typeface="Arial"/>
-              <a:buChar char="•"/>
-            </a:pPr>
-            <a:r>
-              <a:rPr lang="en-US" dirty="0" smtClean="0"/>
-              <a:t>JavaScript</a:t>
-            </a:r>
-            <a:endParaRPr lang="en-US" dirty="0"/>
-          </a:p>
-          <a:p>
-            <a:pPr>
-              <a:buFont typeface="Arial"/>
-              <a:buChar char="•"/>
-            </a:pPr>
-            <a:r>
-              <a:rPr lang="en-US" dirty="0" smtClean="0"/>
-              <a:t>Responsive Grid</a:t>
-            </a:r>
-          </a:p>
-          <a:p>
-            <a:pPr>
-              <a:buFont typeface="Arial"/>
-              <a:buChar char="•"/>
-            </a:pPr>
-            <a:r>
-              <a:rPr lang="en-US" dirty="0" smtClean="0"/>
-              <a:t>Components</a:t>
-            </a:r>
-          </a:p>
-          <a:p>
-            <a:pPr lvl="1">
-              <a:buFont typeface="Arial"/>
-              <a:buChar char="•"/>
-            </a:pPr>
-            <a:r>
-              <a:rPr lang="en-US" dirty="0" smtClean="0"/>
-              <a:t>Navigation Bar</a:t>
-            </a:r>
-          </a:p>
-          <a:p>
-            <a:pPr lvl="1">
-              <a:buFont typeface="Arial"/>
-              <a:buChar char="•"/>
-            </a:pPr>
-            <a:r>
-              <a:rPr lang="en-US" dirty="0" smtClean="0"/>
-              <a:t>Buttons</a:t>
-            </a:r>
-          </a:p>
-          <a:p>
-            <a:pPr lvl="1">
-              <a:buFont typeface="Arial"/>
-              <a:buChar char="•"/>
-            </a:pPr>
-            <a:r>
-              <a:rPr lang="en-US" dirty="0" smtClean="0"/>
-              <a:t>Forms</a:t>
-            </a:r>
-          </a:p>
-          <a:p>
-            <a:pPr lvl="1">
-              <a:buFont typeface="Arial"/>
-              <a:buChar char="•"/>
-            </a:pPr>
-            <a:r>
-              <a:rPr lang="en-US" dirty="0" smtClean="0"/>
-              <a:t>Dropdowns</a:t>
-            </a:r>
-          </a:p>
-          <a:p>
-            <a:pPr lvl="1">
-              <a:buFont typeface="Arial"/>
-              <a:buChar char="•"/>
-            </a:pPr>
-            <a:r>
-              <a:rPr lang="en-US" dirty="0" smtClean="0"/>
-              <a:t>Modal Popups</a:t>
-            </a:r>
-          </a:p>
-          <a:p>
-            <a:pPr lvl="1">
-              <a:buFont typeface="Arial"/>
-              <a:buChar char="•"/>
-            </a:pPr>
-            <a:r>
-              <a:rPr lang="en-US" dirty="0" smtClean="0"/>
-              <a:t>Icons</a:t>
-            </a:r>
-          </a:p>
-          <a:p>
-            <a:pPr lvl="1">
-              <a:buFont typeface="Arial"/>
-              <a:buChar char="•"/>
-            </a:pPr>
-            <a:r>
-              <a:rPr lang="en-US" dirty="0" smtClean="0"/>
-              <a:t>+ Tons MORE!!!</a:t>
-            </a:r>
-            <a:endParaRPr lang="en-US" dirty="0"/>
+        <p:spPr/>
+        <p:txBody>
+          <a:bodyPr/>
+          <a:lstStyle/>
+          <a:p>
+            <a:endParaRPr lang="en-US"/>
           </a:p>
         </p:txBody>
       </p:sp>
@@ -5692,41 +5637,29 @@
             <p:ph type="title"/>
           </p:nvPr>
         </p:nvSpPr>
-        <p:spPr>
-          <a:xfrm>
-            <a:off x="777240" y="310465"/>
-            <a:ext cx="7543800" cy="685800"/>
-          </a:xfrm>
-        </p:spPr>
-        <p:txBody>
-          <a:bodyPr/>
-          <a:lstStyle/>
-          <a:p>
-            <a:r>
-              <a:rPr lang="en-US" sz="4000" dirty="0" smtClean="0"/>
-              <a:t>Components of a CSS Framework</a:t>
-            </a:r>
-            <a:endParaRPr lang="en-US" sz="4000" dirty="0"/>
+        <p:spPr/>
+        <p:txBody>
+          <a:bodyPr/>
+          <a:lstStyle/>
+          <a:p>
+            <a:r>
+              <a:rPr lang="en-US" dirty="0" smtClean="0"/>
+              <a:t>Variables Demo</a:t>
+            </a:r>
+            <a:endParaRPr lang="en-US" dirty="0"/>
           </a:p>
         </p:txBody>
       </p:sp>
     </p:spTree>
     <p:extLst>
       <p:ext uri="{BB962C8B-B14F-4D97-AF65-F5344CB8AC3E}">
-        <p14:creationId xmlns:p14="http://schemas.microsoft.com/office/powerpoint/2010/main" val="4138603976"/>
+        <p14:creationId xmlns:p14="http://schemas.microsoft.com/office/powerpoint/2010/main" val="1985843955"/>
       </p:ext>
     </p:extLst>
   </p:cSld>
   <p:clrMapOvr>
     <a:masterClrMapping/>
   </p:clrMapOvr>
-  <p:timing>
-    <p:tnLst>
-      <p:par>
-        <p:cTn id="1" dur="indefinite" restart="never" nodeType="tmRoot"/>
-      </p:par>
-    </p:tnLst>
-  </p:timing>
 </p:sld>
 </file>
 
@@ -5749,25 +5682,6 @@
       </p:grpSpPr>
       <p:sp>
         <p:nvSpPr>
-          <p:cNvPr id="2" name="Content Placeholder 1"/>
-          <p:cNvSpPr>
-            <a:spLocks noGrp="1"/>
-          </p:cNvSpPr>
-          <p:nvPr>
-            <p:ph idx="1"/>
-          </p:nvPr>
-        </p:nvSpPr>
-        <p:spPr/>
-        <p:txBody>
-          <a:bodyPr/>
-          <a:lstStyle/>
-          <a:p>
-            <a:endParaRPr lang="en-US"/>
-          </a:p>
-        </p:txBody>
-      </p:sp>
-      <p:sp>
-        <p:nvSpPr>
           <p:cNvPr id="3" name="Title 2"/>
           <p:cNvSpPr>
             <a:spLocks noGrp="1"/>
@@ -5776,19 +5690,60 @@
             <p:ph type="title"/>
           </p:nvPr>
         </p:nvSpPr>
-        <p:spPr/>
-        <p:txBody>
-          <a:bodyPr/>
-          <a:lstStyle/>
-          <a:p>
-            <a:endParaRPr lang="en-US" dirty="0"/>
+        <p:spPr>
+          <a:xfrm>
+            <a:off x="777240" y="738506"/>
+            <a:ext cx="7543800" cy="685800"/>
+          </a:xfrm>
+        </p:spPr>
+        <p:txBody>
+          <a:bodyPr/>
+          <a:lstStyle/>
+          <a:p>
+            <a:r>
+              <a:rPr lang="en-US" dirty="0" smtClean="0"/>
+              <a:t>Make a simple portfolio</a:t>
+            </a:r>
+            <a:endParaRPr lang="en-US" dirty="0"/>
+          </a:p>
+        </p:txBody>
+      </p:sp>
+      <p:sp>
+        <p:nvSpPr>
+          <p:cNvPr id="4" name="TextBox 3"/>
+          <p:cNvSpPr txBox="1"/>
+          <p:nvPr/>
+        </p:nvSpPr>
+        <p:spPr>
+          <a:xfrm>
+            <a:off x="777240" y="1929690"/>
+            <a:ext cx="5199084" cy="923330"/>
+          </a:xfrm>
+          <a:prstGeom prst="rect">
+            <a:avLst/>
+          </a:prstGeom>
+          <a:noFill/>
+        </p:spPr>
+        <p:txBody>
+          <a:bodyPr wrap="square" rtlCol="0">
+            <a:spAutoFit/>
+          </a:bodyPr>
+          <a:lstStyle/>
+          <a:p>
+            <a:r>
+              <a:rPr lang="en-US" dirty="0" smtClean="0">
+                <a:latin typeface="Lato regular"/>
+                <a:cs typeface="Lato regular"/>
+              </a:rPr>
+              <a:t>Our focus is on laying out the portfolio using the grid and also learning how to add framework components to our site.</a:t>
+            </a:r>
           </a:p>
         </p:txBody>
       </p:sp>
     </p:spTree>
     <p:extLst>
       <p:ext uri="{BB962C8B-B14F-4D97-AF65-F5344CB8AC3E}">
-        <p14:creationId xmlns:p14="http://schemas.microsoft.com/office/powerpoint/2010/main" val="1647786905"/>
+        <p14:creationId xmlns:p14="http://schemas.microsoft.com/office/powerpoint/2010/main" val="4215096959"/>
       </p:ext>
     </p:extLst>
   </p:cSld>
@@ -5836,11 +5791,7 @@
             </a:pPr>
             <a:r>
               <a:rPr lang="en-US" dirty="0" smtClean="0"/>
-              <a:t>Download </a:t>
-            </a:r>
-            <a:r>
-              <a:rPr lang="en-US" dirty="0" smtClean="0"/>
-              <a:t>Materialize </a:t>
+              <a:t>Download Materialize </a:t>
             </a:r>
             <a:r>
               <a:rPr lang="en-US" dirty="0" err="1" smtClean="0"/>
@@ -5848,11 +5799,7 @@
             </a:r>
             <a:r>
               <a:rPr lang="en-US" dirty="0" smtClean="0"/>
-              <a:t> </a:t>
-            </a:r>
-            <a:r>
-              <a:rPr lang="en-US" dirty="0" smtClean="0"/>
-              <a:t>+ </a:t>
+              <a:t> + </a:t>
             </a:r>
             <a:r>
               <a:rPr lang="en-US" dirty="0" err="1" smtClean="0"/>
@@ -5870,7 +5817,7 @@
               <a:t>Add </a:t>
             </a:r>
             <a:r>
-              <a:rPr lang="en-US" smtClean="0"/>
+              <a:rPr lang="en-US" dirty="0" err="1" smtClean="0"/>
               <a:t>jQuery</a:t>
             </a:r>
             <a:endParaRPr lang="en-US" dirty="0" smtClean="0"/>
@@ -5884,9 +5831,27 @@
               <a:rPr lang="en-US" dirty="0">
                 <a:effectLst/>
               </a:rPr>
-              <a:t>https://cdnjs.com/libraries/materialize</a:t>
-            </a:r>
-            <a:endParaRPr lang="en-US" dirty="0" smtClean="0"/>
+              <a:t>https://cdnjs.com/libraries/</a:t>
+            </a:r>
+            <a:r>
+              <a:rPr lang="en-US" dirty="0" smtClean="0">
+                <a:effectLst/>
+              </a:rPr>
+              <a:t>materialize</a:t>
+            </a:r>
+            <a:endParaRPr lang="en-US" dirty="0"/>
+          </a:p>
+          <a:p>
+            <a:pPr>
+              <a:buFont typeface="Arial"/>
+              <a:buChar char="•"/>
+            </a:pPr>
+            <a:r>
+              <a:rPr lang="en-US" dirty="0" smtClean="0">
+                <a:effectLst/>
+              </a:rPr>
+              <a:t>Setup Materialize to use Sass (optional)</a:t>
+            </a:r>
           </a:p>
         </p:txBody>
       </p:sp>
@@ -5907,11 +5872,7 @@
           <a:p>
             <a:r>
               <a:rPr lang="en-US" dirty="0" smtClean="0"/>
-              <a:t>Setting up </a:t>
-            </a:r>
-            <a:r>
-              <a:rPr lang="en-US" dirty="0" smtClean="0"/>
-              <a:t>Materialize</a:t>
+              <a:t>Setting up Materialize</a:t>
             </a:r>
             <a:endParaRPr lang="en-US" dirty="0"/>
           </a:p>
@@ -5949,6 +5910,25 @@
       </p:grpSpPr>
       <p:sp>
         <p:nvSpPr>
+          <p:cNvPr id="2" name="Content Placeholder 1"/>
+          <p:cNvSpPr>
+            <a:spLocks noGrp="1"/>
+          </p:cNvSpPr>
+          <p:nvPr>
+            <p:ph idx="1"/>
+          </p:nvPr>
+        </p:nvSpPr>
+        <p:spPr/>
+        <p:txBody>
+          <a:bodyPr/>
+          <a:lstStyle/>
+          <a:p>
+            <a:endParaRPr lang="en-US"/>
+          </a:p>
+        </p:txBody>
+      </p:sp>
+      <p:sp>
+        <p:nvSpPr>
           <p:cNvPr id="3" name="Title 2"/>
           <p:cNvSpPr>
             <a:spLocks noGrp="1"/>
@@ -5957,60 +5937,27 @@
             <p:ph type="title"/>
           </p:nvPr>
         </p:nvSpPr>
-        <p:spPr>
-          <a:xfrm>
-            <a:off x="777240" y="738506"/>
-            <a:ext cx="7543800" cy="685800"/>
-          </a:xfrm>
-        </p:spPr>
-        <p:txBody>
-          <a:bodyPr/>
-          <a:lstStyle/>
-          <a:p>
-            <a:r>
-              <a:rPr lang="en-US" dirty="0" smtClean="0"/>
-              <a:t>Make a simple portfolio</a:t>
-            </a:r>
-            <a:endParaRPr lang="en-US" dirty="0"/>
-          </a:p>
-        </p:txBody>
-      </p:sp>
-      <p:sp>
-        <p:nvSpPr>
-          <p:cNvPr id="4" name="TextBox 3"/>
-          <p:cNvSpPr txBox="1"/>
-          <p:nvPr/>
-        </p:nvSpPr>
-        <p:spPr>
-          <a:xfrm>
-            <a:off x="777240" y="1929690"/>
-            <a:ext cx="5199084" cy="923330"/>
-          </a:xfrm>
-          <a:prstGeom prst="rect">
-            <a:avLst/>
-          </a:prstGeom>
-          <a:noFill/>
-        </p:spPr>
-        <p:txBody>
-          <a:bodyPr wrap="square" rtlCol="0">
-            <a:spAutoFit/>
-          </a:bodyPr>
-          <a:lstStyle/>
-          <a:p>
-            <a:r>
-              <a:rPr lang="en-US" dirty="0" smtClean="0">
-                <a:latin typeface="Lato regular"/>
-                <a:cs typeface="Lato regular"/>
-              </a:rPr>
-              <a:t>Our focus is on laying out the portfolio using the grid and also learning how to add framework components to our site.</a:t>
-            </a:r>
+        <p:spPr/>
+        <p:txBody>
+          <a:bodyPr/>
+          <a:lstStyle/>
+          <a:p>
+            <a:r>
+              <a:rPr lang="en-US" dirty="0" smtClean="0"/>
+              <a:t>Add </a:t>
+            </a:r>
+            <a:r>
+              <a:rPr lang="en-US" dirty="0" err="1" smtClean="0"/>
+              <a:t>Navbar</a:t>
+            </a:r>
+            <a:endParaRPr lang="en-US" dirty="0"/>
           </a:p>
         </p:txBody>
       </p:sp>
     </p:spTree>
     <p:extLst>
       <p:ext uri="{BB962C8B-B14F-4D97-AF65-F5344CB8AC3E}">
-        <p14:creationId xmlns:p14="http://schemas.microsoft.com/office/powerpoint/2010/main" val="4215096959"/>
+        <p14:creationId xmlns:p14="http://schemas.microsoft.com/office/powerpoint/2010/main" val="470423065"/>
       </p:ext>
     </p:extLst>
   </p:cSld>
@@ -6039,6 +5986,25 @@
       </p:grpSpPr>
       <p:sp>
         <p:nvSpPr>
+          <p:cNvPr id="2" name="Content Placeholder 1"/>
+          <p:cNvSpPr>
+            <a:spLocks noGrp="1"/>
+          </p:cNvSpPr>
+          <p:nvPr>
+            <p:ph idx="1"/>
+          </p:nvPr>
+        </p:nvSpPr>
+        <p:spPr/>
+        <p:txBody>
+          <a:bodyPr/>
+          <a:lstStyle/>
+          <a:p>
+            <a:endParaRPr lang="en-US"/>
+          </a:p>
+        </p:txBody>
+      </p:sp>
+      <p:sp>
+        <p:nvSpPr>
           <p:cNvPr id="3" name="Title 2"/>
           <p:cNvSpPr>
             <a:spLocks noGrp="1"/>
@@ -6047,19 +6013,14 @@
             <p:ph type="title"/>
           </p:nvPr>
         </p:nvSpPr>
-        <p:spPr>
-          <a:xfrm>
-            <a:off x="777240" y="2493160"/>
-            <a:ext cx="7543800" cy="685800"/>
-          </a:xfrm>
-        </p:spPr>
-        <p:txBody>
-          <a:bodyPr/>
-          <a:lstStyle/>
-          <a:p>
-            <a:r>
-              <a:rPr lang="en-US" dirty="0" smtClean="0"/>
-              <a:t>The Grid</a:t>
+        <p:spPr/>
+        <p:txBody>
+          <a:bodyPr/>
+          <a:lstStyle/>
+          <a:p>
+            <a:r>
+              <a:rPr lang="en-US" dirty="0" smtClean="0"/>
+              <a:t>Add Side navigation bar</a:t>
             </a:r>
             <a:endParaRPr lang="en-US" dirty="0"/>
           </a:p>
@@ -6068,7 +6029,7 @@
     </p:spTree>
     <p:extLst>
       <p:ext uri="{BB962C8B-B14F-4D97-AF65-F5344CB8AC3E}">
-        <p14:creationId xmlns:p14="http://schemas.microsoft.com/office/powerpoint/2010/main" val="206160805"/>
+        <p14:creationId xmlns:p14="http://schemas.microsoft.com/office/powerpoint/2010/main" val="387580128"/>
       </p:ext>
     </p:extLst>
   </p:cSld>
@@ -6097,6 +6058,25 @@
       </p:grpSpPr>
       <p:sp>
         <p:nvSpPr>
+          <p:cNvPr id="2" name="Content Placeholder 1"/>
+          <p:cNvSpPr>
+            <a:spLocks noGrp="1"/>
+          </p:cNvSpPr>
+          <p:nvPr>
+            <p:ph idx="1"/>
+          </p:nvPr>
+        </p:nvSpPr>
+        <p:spPr/>
+        <p:txBody>
+          <a:bodyPr/>
+          <a:lstStyle/>
+          <a:p>
+            <a:endParaRPr lang="en-US"/>
+          </a:p>
+        </p:txBody>
+      </p:sp>
+      <p:sp>
+        <p:nvSpPr>
           <p:cNvPr id="3" name="Title 2"/>
           <p:cNvSpPr>
             <a:spLocks noGrp="1"/>
@@ -6105,9 +6085,145 @@
             <p:ph type="title"/>
           </p:nvPr>
         </p:nvSpPr>
+        <p:spPr/>
+        <p:txBody>
+          <a:bodyPr/>
+          <a:lstStyle/>
+          <a:p>
+            <a:r>
+              <a:rPr lang="en-US" dirty="0" smtClean="0"/>
+              <a:t>Add Hero Image</a:t>
+            </a:r>
+            <a:endParaRPr lang="en-US" dirty="0"/>
+          </a:p>
+        </p:txBody>
+      </p:sp>
+    </p:spTree>
+    <p:extLst>
+      <p:ext uri="{BB962C8B-B14F-4D97-AF65-F5344CB8AC3E}">
+        <p14:creationId xmlns:p14="http://schemas.microsoft.com/office/powerpoint/2010/main" val="3751793951"/>
+      </p:ext>
+    </p:extLst>
+  </p:cSld>
+  <p:clrMapOvr>
+    <a:masterClrMapping/>
+  </p:clrMapOvr>
+</p:sld>
+</file>
+
+<file path=ppt/slides/slide26.xml><?xml version="1.0" encoding="utf-8"?>
+<p:sld xmlns:a="http://schemas.openxmlformats.org/drawingml/2006/main" xmlns:r="http://schemas.openxmlformats.org/officeDocument/2006/relationships" xmlns:p="http://schemas.openxmlformats.org/presentationml/2006/main">
+  <p:cSld>
+    <p:spTree>
+      <p:nvGrpSpPr>
+        <p:cNvPr id="1" name=""/>
+        <p:cNvGrpSpPr/>
+        <p:nvPr/>
+      </p:nvGrpSpPr>
+      <p:grpSpPr>
+        <a:xfrm>
+          <a:off x="0" y="0"/>
+          <a:ext cx="0" cy="0"/>
+          <a:chOff x="0" y="0"/>
+          <a:chExt cx="0" cy="0"/>
+        </a:xfrm>
+      </p:grpSpPr>
+      <p:sp>
+        <p:nvSpPr>
+          <p:cNvPr id="3" name="Title 2"/>
+          <p:cNvSpPr>
+            <a:spLocks noGrp="1"/>
+          </p:cNvSpPr>
+          <p:nvPr>
+            <p:ph type="title"/>
+          </p:nvPr>
+        </p:nvSpPr>
+        <p:spPr/>
+        <p:txBody>
+          <a:bodyPr/>
+          <a:lstStyle/>
+          <a:p>
+            <a:r>
+              <a:rPr lang="en-US" dirty="0" smtClean="0"/>
+              <a:t>Add content with grid</a:t>
+            </a:r>
+            <a:endParaRPr lang="en-US" dirty="0"/>
+          </a:p>
+        </p:txBody>
+      </p:sp>
+      <p:pic>
+        <p:nvPicPr>
+          <p:cNvPr id="5" name="Picture 4" descr="Screen Shot 2015-04-04 at 12.48.25 PM.png"/>
+          <p:cNvPicPr>
+            <a:picLocks noChangeAspect="1"/>
+          </p:cNvPicPr>
+          <p:nvPr/>
+        </p:nvPicPr>
+        <p:blipFill>
+          <a:blip r:embed="rId2">
+            <a:extLst>
+              <a:ext uri="{28A0092B-C50C-407E-A947-70E740481C1C}">
+                <a14:useLocalDpi xmlns:a14="http://schemas.microsoft.com/office/drawing/2010/main" val="0"/>
+              </a:ext>
+            </a:extLst>
+          </a:blip>
+          <a:stretch>
+            <a:fillRect/>
+          </a:stretch>
+        </p:blipFill>
         <p:spPr>
           <a:xfrm>
-            <a:off x="1142087" y="2415581"/>
+            <a:off x="0" y="39780"/>
+            <a:ext cx="9144000" cy="2867603"/>
+          </a:xfrm>
+          <a:prstGeom prst="rect">
+            <a:avLst/>
+          </a:prstGeom>
+        </p:spPr>
+      </p:pic>
+    </p:spTree>
+    <p:extLst>
+      <p:ext uri="{BB962C8B-B14F-4D97-AF65-F5344CB8AC3E}">
+        <p14:creationId xmlns:p14="http://schemas.microsoft.com/office/powerpoint/2010/main" val="2226327702"/>
+      </p:ext>
+    </p:extLst>
+  </p:cSld>
+  <p:clrMapOvr>
+    <a:masterClrMapping/>
+  </p:clrMapOvr>
+</p:sld>
+</file>
+
+<file path=ppt/slides/slide27.xml><?xml version="1.0" encoding="utf-8"?>
+<p:sld xmlns:a="http://schemas.openxmlformats.org/drawingml/2006/main" xmlns:r="http://schemas.openxmlformats.org/officeDocument/2006/relationships" xmlns:p="http://schemas.openxmlformats.org/presentationml/2006/main">
+  <p:cSld>
+    <p:spTree>
+      <p:nvGrpSpPr>
+        <p:cNvPr id="1" name=""/>
+        <p:cNvGrpSpPr/>
+        <p:nvPr/>
+      </p:nvGrpSpPr>
+      <p:grpSpPr>
+        <a:xfrm>
+          <a:off x="0" y="0"/>
+          <a:ext cx="0" cy="0"/>
+          <a:chOff x="0" y="0"/>
+          <a:chExt cx="0" cy="0"/>
+        </a:xfrm>
+      </p:grpSpPr>
+      <p:sp>
+        <p:nvSpPr>
+          <p:cNvPr id="3" name="Title 2"/>
+          <p:cNvSpPr>
+            <a:spLocks noGrp="1"/>
+          </p:cNvSpPr>
+          <p:nvPr>
+            <p:ph type="title"/>
+          </p:nvPr>
+        </p:nvSpPr>
+        <p:spPr>
+          <a:xfrm>
+            <a:off x="777240" y="2493160"/>
             <a:ext cx="7543800" cy="685800"/>
           </a:xfrm>
         </p:spPr>
@@ -6117,7 +6233,7 @@
           <a:p>
             <a:r>
               <a:rPr lang="en-US" dirty="0" smtClean="0"/>
-              <a:t>Upcoming Workshops</a:t>
+              <a:t>The Grid</a:t>
             </a:r>
             <a:endParaRPr lang="en-US" dirty="0"/>
           </a:p>
@@ -6126,7 +6242,175 @@
     </p:spTree>
     <p:extLst>
       <p:ext uri="{BB962C8B-B14F-4D97-AF65-F5344CB8AC3E}">
-        <p14:creationId xmlns:p14="http://schemas.microsoft.com/office/powerpoint/2010/main" val="2342629918"/>
+        <p14:creationId xmlns:p14="http://schemas.microsoft.com/office/powerpoint/2010/main" val="206160805"/>
+      </p:ext>
+    </p:extLst>
+  </p:cSld>
+  <p:clrMapOvr>
+    <a:masterClrMapping/>
+  </p:clrMapOvr>
+</p:sld>
+</file>
+
+<file path=ppt/slides/slide28.xml><?xml version="1.0" encoding="utf-8"?>
+<p:sld xmlns:a="http://schemas.openxmlformats.org/drawingml/2006/main" xmlns:r="http://schemas.openxmlformats.org/officeDocument/2006/relationships" xmlns:p="http://schemas.openxmlformats.org/presentationml/2006/main">
+  <p:cSld>
+    <p:spTree>
+      <p:nvGrpSpPr>
+        <p:cNvPr id="1" name=""/>
+        <p:cNvGrpSpPr/>
+        <p:nvPr/>
+      </p:nvGrpSpPr>
+      <p:grpSpPr>
+        <a:xfrm>
+          <a:off x="0" y="0"/>
+          <a:ext cx="0" cy="0"/>
+          <a:chOff x="0" y="0"/>
+          <a:chExt cx="0" cy="0"/>
+        </a:xfrm>
+      </p:grpSpPr>
+      <p:sp>
+        <p:nvSpPr>
+          <p:cNvPr id="2" name="Content Placeholder 1"/>
+          <p:cNvSpPr>
+            <a:spLocks noGrp="1"/>
+          </p:cNvSpPr>
+          <p:nvPr>
+            <p:ph idx="1"/>
+          </p:nvPr>
+        </p:nvSpPr>
+        <p:spPr/>
+        <p:txBody>
+          <a:bodyPr/>
+          <a:lstStyle/>
+          <a:p>
+            <a:r>
+              <a:rPr lang="en-US" dirty="0" smtClean="0"/>
+              <a:t>&lt;</a:t>
+            </a:r>
+            <a:r>
+              <a:rPr lang="en-US" dirty="0" err="1" smtClean="0"/>
+              <a:t>i</a:t>
+            </a:r>
+            <a:r>
+              <a:rPr lang="en-US" dirty="0" smtClean="0"/>
+              <a:t> class=“mdi-content-send”&gt;&lt;/</a:t>
+            </a:r>
+            <a:r>
+              <a:rPr lang="en-US" dirty="0" err="1" smtClean="0"/>
+              <a:t>i</a:t>
+            </a:r>
+            <a:r>
+              <a:rPr lang="en-US" dirty="0" smtClean="0"/>
+              <a:t>&gt;</a:t>
+            </a:r>
+            <a:endParaRPr lang="en-US" dirty="0"/>
+          </a:p>
+        </p:txBody>
+      </p:sp>
+      <p:sp>
+        <p:nvSpPr>
+          <p:cNvPr id="3" name="Title 2"/>
+          <p:cNvSpPr>
+            <a:spLocks noGrp="1"/>
+          </p:cNvSpPr>
+          <p:nvPr>
+            <p:ph type="title"/>
+          </p:nvPr>
+        </p:nvSpPr>
+        <p:spPr/>
+        <p:txBody>
+          <a:bodyPr/>
+          <a:lstStyle/>
+          <a:p>
+            <a:r>
+              <a:rPr lang="en-US" dirty="0" smtClean="0"/>
+              <a:t>Icons</a:t>
+            </a:r>
+            <a:endParaRPr lang="en-US" dirty="0"/>
+          </a:p>
+        </p:txBody>
+      </p:sp>
+    </p:spTree>
+    <p:extLst>
+      <p:ext uri="{BB962C8B-B14F-4D97-AF65-F5344CB8AC3E}">
+        <p14:creationId xmlns:p14="http://schemas.microsoft.com/office/powerpoint/2010/main" val="456102078"/>
+      </p:ext>
+    </p:extLst>
+  </p:cSld>
+  <p:clrMapOvr>
+    <a:masterClrMapping/>
+  </p:clrMapOvr>
+</p:sld>
+</file>
+
+<file path=ppt/slides/slide29.xml><?xml version="1.0" encoding="utf-8"?>
+<p:sld xmlns:a="http://schemas.openxmlformats.org/drawingml/2006/main" xmlns:r="http://schemas.openxmlformats.org/officeDocument/2006/relationships" xmlns:p="http://schemas.openxmlformats.org/presentationml/2006/main">
+  <p:cSld>
+    <p:spTree>
+      <p:nvGrpSpPr>
+        <p:cNvPr id="1" name=""/>
+        <p:cNvGrpSpPr/>
+        <p:nvPr/>
+      </p:nvGrpSpPr>
+      <p:grpSpPr>
+        <a:xfrm>
+          <a:off x="0" y="0"/>
+          <a:ext cx="0" cy="0"/>
+          <a:chOff x="0" y="0"/>
+          <a:chExt cx="0" cy="0"/>
+        </a:xfrm>
+      </p:grpSpPr>
+      <p:sp>
+        <p:nvSpPr>
+          <p:cNvPr id="2" name="Content Placeholder 1"/>
+          <p:cNvSpPr>
+            <a:spLocks noGrp="1"/>
+          </p:cNvSpPr>
+          <p:nvPr>
+            <p:ph idx="1"/>
+          </p:nvPr>
+        </p:nvSpPr>
+        <p:spPr/>
+        <p:txBody>
+          <a:bodyPr/>
+          <a:lstStyle/>
+          <a:p>
+            <a:r>
+              <a:rPr lang="en-US" dirty="0" err="1" smtClean="0"/>
+              <a:t>Materialbox</a:t>
+            </a:r>
+            <a:endParaRPr lang="en-US" dirty="0"/>
+          </a:p>
+        </p:txBody>
+      </p:sp>
+      <p:sp>
+        <p:nvSpPr>
+          <p:cNvPr id="3" name="Title 2"/>
+          <p:cNvSpPr>
+            <a:spLocks noGrp="1"/>
+          </p:cNvSpPr>
+          <p:nvPr>
+            <p:ph type="title"/>
+          </p:nvPr>
+        </p:nvSpPr>
+        <p:spPr/>
+        <p:txBody>
+          <a:bodyPr/>
+          <a:lstStyle/>
+          <a:p>
+            <a:r>
+              <a:rPr lang="en-US" dirty="0" smtClean="0"/>
+              <a:t>Projects Gallery</a:t>
+            </a:r>
+            <a:endParaRPr lang="en-US" dirty="0"/>
+          </a:p>
+        </p:txBody>
+      </p:sp>
+    </p:spTree>
+    <p:extLst>
+      <p:ext uri="{BB962C8B-B14F-4D97-AF65-F5344CB8AC3E}">
+        <p14:creationId xmlns:p14="http://schemas.microsoft.com/office/powerpoint/2010/main" val="1592804237"/>
       </p:ext>
     </p:extLst>
   </p:cSld>
@@ -6198,13 +6482,8 @@
             </a:pPr>
             <a:r>
               <a:rPr lang="en-US" dirty="0" smtClean="0"/>
-              <a:t>Experience in front-end web development / </a:t>
-            </a:r>
-            <a:r>
-              <a:rPr lang="en-US" dirty="0" smtClean="0"/>
-              <a:t>design</a:t>
-            </a:r>
-            <a:endParaRPr lang="en-US" dirty="0" smtClean="0"/>
+              <a:t>Experience in front-end web development / design</a:t>
+            </a:r>
           </a:p>
           <a:p>
             <a:pPr>
@@ -6260,10 +6539,68 @@
   <p:timing>
     <p:tnLst>
       <p:par>
-        <p:cTn id="1" dur="indefinite" restart="never" nodeType="tmRoot"/>
+        <p:cTn xmlns:p14="http://schemas.microsoft.com/office/powerpoint/2010/main" id="1" dur="indefinite" restart="never" nodeType="tmRoot"/>
       </p:par>
     </p:tnLst>
   </p:timing>
+</p:sld>
+</file>
+
+<file path=ppt/slides/slide30.xml><?xml version="1.0" encoding="utf-8"?>
+<p:sld xmlns:a="http://schemas.openxmlformats.org/drawingml/2006/main" xmlns:r="http://schemas.openxmlformats.org/officeDocument/2006/relationships" xmlns:p="http://schemas.openxmlformats.org/presentationml/2006/main">
+  <p:cSld>
+    <p:spTree>
+      <p:nvGrpSpPr>
+        <p:cNvPr id="1" name=""/>
+        <p:cNvGrpSpPr/>
+        <p:nvPr/>
+      </p:nvGrpSpPr>
+      <p:grpSpPr>
+        <a:xfrm>
+          <a:off x="0" y="0"/>
+          <a:ext cx="0" cy="0"/>
+          <a:chOff x="0" y="0"/>
+          <a:chExt cx="0" cy="0"/>
+        </a:xfrm>
+      </p:grpSpPr>
+      <p:sp>
+        <p:nvSpPr>
+          <p:cNvPr id="3" name="Title 2"/>
+          <p:cNvSpPr>
+            <a:spLocks noGrp="1"/>
+          </p:cNvSpPr>
+          <p:nvPr>
+            <p:ph type="title"/>
+          </p:nvPr>
+        </p:nvSpPr>
+        <p:spPr>
+          <a:xfrm>
+            <a:off x="1142087" y="2415581"/>
+            <a:ext cx="7543800" cy="685800"/>
+          </a:xfrm>
+        </p:spPr>
+        <p:txBody>
+          <a:bodyPr/>
+          <a:lstStyle/>
+          <a:p>
+            <a:r>
+              <a:rPr lang="en-US" dirty="0" smtClean="0"/>
+              <a:t>Upcoming Workshops</a:t>
+            </a:r>
+            <a:endParaRPr lang="en-US" dirty="0"/>
+          </a:p>
+        </p:txBody>
+      </p:sp>
+    </p:spTree>
+    <p:extLst>
+      <p:ext uri="{BB962C8B-B14F-4D97-AF65-F5344CB8AC3E}">
+        <p14:creationId xmlns:p14="http://schemas.microsoft.com/office/powerpoint/2010/main" val="2342629918"/>
+      </p:ext>
+    </p:extLst>
+  </p:cSld>
+  <p:clrMapOvr>
+    <a:masterClrMapping/>
+  </p:clrMapOvr>
 </p:sld>
 </file>
 
@@ -6445,17 +6782,8 @@
             </a:pPr>
             <a:r>
               <a:rPr lang="en-US" dirty="0" smtClean="0"/>
-              <a:t>Introduction </a:t>
-            </a:r>
-            <a:r>
-              <a:rPr lang="en-US" dirty="0" smtClean="0"/>
-              <a:t>to CSS </a:t>
-            </a:r>
-            <a:r>
-              <a:rPr lang="en-US" dirty="0" smtClean="0"/>
-              <a:t>Frameworks</a:t>
-            </a:r>
-            <a:endParaRPr lang="en-US" dirty="0" smtClean="0"/>
+              <a:t>Introduction to CSS Frameworks</a:t>
+            </a:r>
           </a:p>
           <a:p>
             <a:pPr marL="475488" indent="-457200">
@@ -6474,13 +6802,8 @@
             </a:pPr>
             <a:r>
               <a:rPr lang="en-US" dirty="0" smtClean="0"/>
-              <a:t>Walkthrough of </a:t>
-            </a:r>
-            <a:r>
-              <a:rPr lang="en-US" dirty="0" smtClean="0"/>
-              <a:t>Materialize</a:t>
-            </a:r>
-            <a:endParaRPr lang="en-US" dirty="0" smtClean="0"/>
+              <a:t>Walkthrough of Materialize</a:t>
+            </a:r>
           </a:p>
           <a:p>
             <a:pPr marL="475488" indent="-457200">
@@ -6495,7 +6818,6 @@
               <a:rPr lang="en-US" dirty="0"/>
               <a:t>Materialize</a:t>
             </a:r>
-            <a:endParaRPr lang="en-US" dirty="0"/>
           </a:p>
         </p:txBody>
       </p:sp>
@@ -6540,7 +6862,7 @@
   <p:timing>
     <p:tnLst>
       <p:par>
-        <p:cTn id="1" dur="indefinite" restart="never" nodeType="tmRoot"/>
+        <p:cTn xmlns:p14="http://schemas.microsoft.com/office/powerpoint/2010/main" id="1" dur="indefinite" restart="never" nodeType="tmRoot"/>
       </p:par>
     </p:tnLst>
   </p:timing>
@@ -6600,17 +6922,8 @@
             </a:pPr>
             <a:r>
               <a:rPr lang="en-US" dirty="0" smtClean="0"/>
-              <a:t>Understand </a:t>
-            </a:r>
-            <a:r>
-              <a:rPr lang="en-US" dirty="0" smtClean="0"/>
-              <a:t>the power of </a:t>
-            </a:r>
-            <a:r>
-              <a:rPr lang="en-US" dirty="0" smtClean="0"/>
-              <a:t>CSS framework</a:t>
-            </a:r>
-            <a:endParaRPr lang="en-US" dirty="0" smtClean="0"/>
+              <a:t>Understand the power of CSS framework</a:t>
+            </a:r>
           </a:p>
           <a:p>
             <a:pPr>
@@ -6629,13 +6942,8 @@
             </a:pPr>
             <a:r>
               <a:rPr lang="en-US" dirty="0" smtClean="0"/>
-              <a:t>Know the capabilities of </a:t>
-            </a:r>
-            <a:r>
-              <a:rPr lang="en-US" dirty="0" smtClean="0"/>
-              <a:t>Materialize</a:t>
-            </a:r>
-            <a:endParaRPr lang="en-US" dirty="0" smtClean="0"/>
+              <a:t>Know the capabilities of Materialize</a:t>
+            </a:r>
           </a:p>
           <a:p>
             <a:pPr>
@@ -6686,7 +6994,7 @@
   <p:timing>
     <p:tnLst>
       <p:par>
-        <p:cTn id="1" dur="indefinite" restart="never" nodeType="tmRoot"/>
+        <p:cTn xmlns:p14="http://schemas.microsoft.com/office/powerpoint/2010/main" id="1" dur="indefinite" restart="never" nodeType="tmRoot"/>
       </p:par>
     </p:tnLst>
   </p:timing>
@@ -6738,11 +7046,7 @@
             </a:pPr>
             <a:r>
               <a:rPr lang="en-US" dirty="0" smtClean="0"/>
-              <a:t>Ideally</a:t>
-            </a:r>
-            <a:r>
-              <a:rPr lang="en-US" dirty="0" smtClean="0"/>
-              <a:t>, only content should go into HTML files</a:t>
+              <a:t>Ideally, only content should go into HTML files</a:t>
             </a:r>
           </a:p>
           <a:p>
@@ -6752,11 +7056,7 @@
             </a:pPr>
             <a:r>
               <a:rPr lang="en-US" dirty="0" smtClean="0"/>
-              <a:t>We </a:t>
-            </a:r>
-            <a:r>
-              <a:rPr lang="en-US" dirty="0" smtClean="0"/>
-              <a:t>separate Style from </a:t>
+              <a:t>We separate Style from </a:t>
             </a:r>
             <a:r>
               <a:rPr lang="en-US" dirty="0"/>
@@ -6885,11 +7185,7 @@
             </a:pPr>
             <a:r>
               <a:rPr lang="en-US" dirty="0" smtClean="0"/>
-              <a:t>General rules cascade down until more specific styles are </a:t>
-            </a:r>
-            <a:r>
-              <a:rPr lang="en-US" dirty="0" smtClean="0"/>
-              <a:t>applied</a:t>
+              <a:t>General rules cascade down until more specific styles are applied</a:t>
             </a:r>
           </a:p>
           <a:p>
@@ -6899,17 +7195,16 @@
             </a:pPr>
             <a:r>
               <a:rPr lang="en-US" dirty="0" smtClean="0"/>
-              <a:t>.</a:t>
+              <a:t>.class</a:t>
             </a:r>
             <a:r>
               <a:rPr lang="en-US" dirty="0"/>
-              <a:t> class-name</a:t>
+              <a:t>-name</a:t>
             </a:r>
             <a:r>
               <a:rPr lang="en-US" dirty="0" smtClean="0"/>
               <a:t> {style1: value1;}</a:t>
             </a:r>
-            <a:endParaRPr lang="en-US" dirty="0" smtClean="0"/>
           </a:p>
         </p:txBody>
       </p:sp>
@@ -6993,7 +7288,11 @@
           <a:p>
             <a:r>
               <a:rPr lang="en-US" dirty="0" smtClean="0"/>
-              <a:t>Lets Get Started!</a:t>
+              <a:t>Let’s </a:t>
+            </a:r>
+            <a:r>
+              <a:rPr lang="en-US" dirty="0" smtClean="0"/>
+              <a:t>Get Started!</a:t>
             </a:r>
             <a:endParaRPr lang="en-US" dirty="0"/>
           </a:p>
